--- a/Data Science Bootcamps With Reddit.pptx
+++ b/Data Science Bootcamps With Reddit.pptx
@@ -119,7 +119,16 @@
       </a:defRPr>
     </a:lvl9pPr>
   </p:defaultTextStyle>
+  <p:extLst>
+    <p:ext uri="{EFAFB233-063F-42B5-8137-9DF3F51BA10A}">
+      <p15:sldGuideLst xmlns:p15="http://schemas.microsoft.com/office/powerpoint/2012/main"/>
+    </p:ext>
+  </p:extLst>
 </p:presentation>
+</file>
+
+<file path=ppt/revisionInfo.xml><?xml version="1.0" encoding="utf-8"?>
+<p1510:revInfo xmlns:a="http://schemas.openxmlformats.org/drawingml/2006/main" xmlns:r="http://schemas.openxmlformats.org/officeDocument/2006/relationships" xmlns:p1510="http://schemas.microsoft.com/office/powerpoint/2015/10/main"/>
 </file>
 
 <file path=ppt/slideLayouts/slideLayout1.xml><?xml version="1.0" encoding="utf-8"?>
@@ -867,7 +876,7 @@
           <a:p>
             <a:fld id="{9BE6873B-AFD1-4104-AA6F-D405FE26B1DE}" type="datetimeFigureOut">
               <a:rPr lang="en-US" smtClean="0"/>
-              <a:t>10/23/2017</a:t>
+              <a:t>10/25/2017</a:t>
             </a:fld>
             <a:endParaRPr lang="en-US"/>
           </a:p>
@@ -1118,7 +1127,7 @@
           <a:p>
             <a:fld id="{9BE6873B-AFD1-4104-AA6F-D405FE26B1DE}" type="datetimeFigureOut">
               <a:rPr lang="en-US" smtClean="0"/>
-              <a:t>10/23/2017</a:t>
+              <a:t>10/25/2017</a:t>
             </a:fld>
             <a:endParaRPr lang="en-US"/>
           </a:p>
@@ -1432,7 +1441,7 @@
           <a:p>
             <a:fld id="{9BE6873B-AFD1-4104-AA6F-D405FE26B1DE}" type="datetimeFigureOut">
               <a:rPr lang="en-US" smtClean="0"/>
-              <a:t>10/23/2017</a:t>
+              <a:t>10/25/2017</a:t>
             </a:fld>
             <a:endParaRPr lang="en-US"/>
           </a:p>
@@ -1765,7 +1774,7 @@
           <a:p>
             <a:fld id="{9BE6873B-AFD1-4104-AA6F-D405FE26B1DE}" type="datetimeFigureOut">
               <a:rPr lang="en-US" smtClean="0"/>
-              <a:t>10/23/2017</a:t>
+              <a:t>10/25/2017</a:t>
             </a:fld>
             <a:endParaRPr lang="en-US"/>
           </a:p>
@@ -2079,7 +2088,7 @@
           <a:p>
             <a:fld id="{9BE6873B-AFD1-4104-AA6F-D405FE26B1DE}" type="datetimeFigureOut">
               <a:rPr lang="en-US" smtClean="0"/>
-              <a:t>10/23/2017</a:t>
+              <a:t>10/25/2017</a:t>
             </a:fld>
             <a:endParaRPr lang="en-US"/>
           </a:p>
@@ -2472,7 +2481,7 @@
           <a:p>
             <a:fld id="{9BE6873B-AFD1-4104-AA6F-D405FE26B1DE}" type="datetimeFigureOut">
               <a:rPr lang="en-US" smtClean="0"/>
-              <a:t>10/23/2017</a:t>
+              <a:t>10/25/2017</a:t>
             </a:fld>
             <a:endParaRPr lang="en-US"/>
           </a:p>
@@ -2642,7 +2651,7 @@
           <a:p>
             <a:fld id="{9BE6873B-AFD1-4104-AA6F-D405FE26B1DE}" type="datetimeFigureOut">
               <a:rPr lang="en-US" smtClean="0"/>
-              <a:t>10/23/2017</a:t>
+              <a:t>10/25/2017</a:t>
             </a:fld>
             <a:endParaRPr lang="en-US"/>
           </a:p>
@@ -2822,7 +2831,7 @@
           <a:p>
             <a:fld id="{9BE6873B-AFD1-4104-AA6F-D405FE26B1DE}" type="datetimeFigureOut">
               <a:rPr lang="en-US" smtClean="0"/>
-              <a:t>10/23/2017</a:t>
+              <a:t>10/25/2017</a:t>
             </a:fld>
             <a:endParaRPr lang="en-US"/>
           </a:p>
@@ -2992,7 +3001,7 @@
           <a:p>
             <a:fld id="{9BE6873B-AFD1-4104-AA6F-D405FE26B1DE}" type="datetimeFigureOut">
               <a:rPr lang="en-US" smtClean="0"/>
-              <a:t>10/23/2017</a:t>
+              <a:t>10/25/2017</a:t>
             </a:fld>
             <a:endParaRPr lang="en-US"/>
           </a:p>
@@ -3239,7 +3248,7 @@
           <a:p>
             <a:fld id="{9BE6873B-AFD1-4104-AA6F-D405FE26B1DE}" type="datetimeFigureOut">
               <a:rPr lang="en-US" smtClean="0"/>
-              <a:t>10/23/2017</a:t>
+              <a:t>10/25/2017</a:t>
             </a:fld>
             <a:endParaRPr lang="en-US"/>
           </a:p>
@@ -3471,7 +3480,7 @@
           <a:p>
             <a:fld id="{9BE6873B-AFD1-4104-AA6F-D405FE26B1DE}" type="datetimeFigureOut">
               <a:rPr lang="en-US" smtClean="0"/>
-              <a:t>10/23/2017</a:t>
+              <a:t>10/25/2017</a:t>
             </a:fld>
             <a:endParaRPr lang="en-US"/>
           </a:p>
@@ -3845,7 +3854,7 @@
           <a:p>
             <a:fld id="{9BE6873B-AFD1-4104-AA6F-D405FE26B1DE}" type="datetimeFigureOut">
               <a:rPr lang="en-US" smtClean="0"/>
-              <a:t>10/23/2017</a:t>
+              <a:t>10/25/2017</a:t>
             </a:fld>
             <a:endParaRPr lang="en-US"/>
           </a:p>
@@ -3968,7 +3977,7 @@
           <a:p>
             <a:fld id="{9BE6873B-AFD1-4104-AA6F-D405FE26B1DE}" type="datetimeFigureOut">
               <a:rPr lang="en-US" smtClean="0"/>
-              <a:t>10/23/2017</a:t>
+              <a:t>10/25/2017</a:t>
             </a:fld>
             <a:endParaRPr lang="en-US"/>
           </a:p>
@@ -4063,7 +4072,7 @@
           <a:p>
             <a:fld id="{9BE6873B-AFD1-4104-AA6F-D405FE26B1DE}" type="datetimeFigureOut">
               <a:rPr lang="en-US" smtClean="0"/>
-              <a:t>10/23/2017</a:t>
+              <a:t>10/25/2017</a:t>
             </a:fld>
             <a:endParaRPr lang="en-US"/>
           </a:p>
@@ -4318,7 +4327,7 @@
           <a:p>
             <a:fld id="{9BE6873B-AFD1-4104-AA6F-D405FE26B1DE}" type="datetimeFigureOut">
               <a:rPr lang="en-US" smtClean="0"/>
-              <a:t>10/23/2017</a:t>
+              <a:t>10/25/2017</a:t>
             </a:fld>
             <a:endParaRPr lang="en-US"/>
           </a:p>
@@ -4623,7 +4632,7 @@
           <a:p>
             <a:fld id="{9BE6873B-AFD1-4104-AA6F-D405FE26B1DE}" type="datetimeFigureOut">
               <a:rPr lang="en-US" smtClean="0"/>
-              <a:t>10/23/2017</a:t>
+              <a:t>10/25/2017</a:t>
             </a:fld>
             <a:endParaRPr lang="en-US"/>
           </a:p>
@@ -5325,7 +5334,7 @@
           <a:p>
             <a:fld id="{9BE6873B-AFD1-4104-AA6F-D405FE26B1DE}" type="datetimeFigureOut">
               <a:rPr lang="en-US" smtClean="0"/>
-              <a:t>10/23/2017</a:t>
+              <a:t>10/25/2017</a:t>
             </a:fld>
             <a:endParaRPr lang="en-US"/>
           </a:p>
@@ -7436,46 +7445,6 @@
             <a:endParaRPr lang="en-US" dirty="0"/>
           </a:p>
           <a:p>
-            <a:r>
-              <a:rPr lang="en-US" dirty="0"/>
-              <a:t>[1] "analysis"    "analyst"     "background"  "business"    "career"      "companies"   "company"     "courses"     "engineering"</a:t>
-            </a:r>
-          </a:p>
-          <a:p>
-            <a:r>
-              <a:rPr lang="en-US" dirty="0"/>
-              <a:t>[10] "experience"  "field"       "industry"    "job"         "jobs"        "knowledge"   "level"       "machine"     "masters"    </a:t>
-            </a:r>
-          </a:p>
-          <a:p>
-            <a:r>
-              <a:rPr lang="en-US" dirty="0"/>
-              <a:t>[19] "math"        "online"      "</a:t>
-            </a:r>
-            <a:r>
-              <a:rPr lang="en-US" dirty="0" err="1"/>
-              <a:t>phd</a:t>
-            </a:r>
-            <a:r>
-              <a:rPr lang="en-US" dirty="0"/>
-              <a:t>"         "position"    "programming" "programs"    "projects"    "python"      "research"   </a:t>
-            </a:r>
-          </a:p>
-          <a:p>
-            <a:r>
-              <a:rPr lang="en-US" dirty="0"/>
-              <a:t>[28] "resume"      "seems"       "</a:t>
-            </a:r>
-            <a:r>
-              <a:rPr lang="en-US" dirty="0" err="1"/>
-              <a:t>sql</a:t>
-            </a:r>
-            <a:r>
-              <a:rPr lang="en-US" dirty="0"/>
-              <a:t>"         "statistics"  "stats"       "year"        "years" </a:t>
-            </a:r>
-          </a:p>
-          <a:p>
             <a:endParaRPr lang="en-US" dirty="0"/>
           </a:p>
         </p:txBody>
@@ -7502,8 +7471,8 @@
         </p:blipFill>
         <p:spPr>
           <a:xfrm>
-            <a:off x="3031005" y="1936328"/>
-            <a:ext cx="5807991" cy="4329294"/>
+            <a:off x="3331864" y="2160588"/>
+            <a:ext cx="5507132" cy="4105033"/>
           </a:xfrm>
           <a:prstGeom prst="rect">
             <a:avLst/>
